--- a/FinalReport/W205_FinalProjectPresentation.pptx
+++ b/FinalReport/W205_FinalProjectPresentation.pptx
@@ -5,7 +5,7 @@
     <p:sldMasterId id="2147483659" r:id="rId1"/>
   </p:sldMasterIdLst>
   <p:notesMasterIdLst>
-    <p:notesMasterId r:id="rId12"/>
+    <p:notesMasterId r:id="rId13"/>
   </p:notesMasterIdLst>
   <p:sldIdLst>
     <p:sldId id="256" r:id="rId2"/>
@@ -18,6 +18,7 @@
     <p:sldId id="264" r:id="rId9"/>
     <p:sldId id="265" r:id="rId10"/>
     <p:sldId id="260" r:id="rId11"/>
+    <p:sldId id="266" r:id="rId12"/>
   </p:sldIdLst>
   <p:sldSz cx="9144000" cy="5143500" type="screen16x9"/>
   <p:notesSz cx="6858000" cy="9144000"/>
@@ -690,6 +691,112 @@
 </p:notes>
 </file>
 
+<file path=ppt/notesSlides/notesSlide11.xml><?xml version="1.0" encoding="utf-8"?>
+<p:notes xmlns:a="http://schemas.openxmlformats.org/drawingml/2006/main" xmlns:r="http://schemas.openxmlformats.org/officeDocument/2006/relationships" xmlns:p="http://schemas.openxmlformats.org/presentationml/2006/main" showMasterSp="0" showMasterPhAnim="0">
+  <p:cSld>
+    <p:spTree>
+      <p:nvGrpSpPr>
+        <p:cNvPr id="1" name="Shape 80"/>
+        <p:cNvGrpSpPr/>
+        <p:nvPr/>
+      </p:nvGrpSpPr>
+      <p:grpSpPr>
+        <a:xfrm>
+          <a:off x="0" y="0"/>
+          <a:ext cx="0" cy="0"/>
+          <a:chOff x="0" y="0"/>
+          <a:chExt cx="0" cy="0"/>
+        </a:xfrm>
+      </p:grpSpPr>
+      <p:sp>
+        <p:nvSpPr>
+          <p:cNvPr id="81" name="Shape 81"/>
+          <p:cNvSpPr>
+            <a:spLocks noGrp="1" noRot="1" noChangeAspect="1"/>
+          </p:cNvSpPr>
+          <p:nvPr>
+            <p:ph type="sldImg" idx="2"/>
+          </p:nvPr>
+        </p:nvSpPr>
+        <p:spPr>
+          <a:xfrm>
+            <a:off x="381000" y="685800"/>
+            <a:ext cx="6096000" cy="3429000"/>
+          </a:xfrm>
+          <a:custGeom>
+            <a:avLst/>
+            <a:gdLst/>
+            <a:ahLst/>
+            <a:cxnLst/>
+            <a:rect l="0" t="0" r="0" b="0"/>
+            <a:pathLst>
+              <a:path w="120000" h="120000" extrusionOk="0">
+                <a:moveTo>
+                  <a:pt x="0" y="0"/>
+                </a:moveTo>
+                <a:lnTo>
+                  <a:pt x="120000" y="0"/>
+                </a:lnTo>
+                <a:lnTo>
+                  <a:pt x="120000" y="120000"/>
+                </a:lnTo>
+                <a:lnTo>
+                  <a:pt x="0" y="120000"/>
+                </a:lnTo>
+                <a:close/>
+              </a:path>
+            </a:pathLst>
+          </a:custGeom>
+        </p:spPr>
+      </p:sp>
+      <p:sp>
+        <p:nvSpPr>
+          <p:cNvPr id="82" name="Shape 82"/>
+          <p:cNvSpPr txBox="1">
+            <a:spLocks noGrp="1"/>
+          </p:cNvSpPr>
+          <p:nvPr>
+            <p:ph type="body" idx="1"/>
+          </p:nvPr>
+        </p:nvSpPr>
+        <p:spPr>
+          <a:xfrm>
+            <a:off x="685800" y="4343400"/>
+            <a:ext cx="5486400" cy="4114800"/>
+          </a:xfrm>
+          <a:prstGeom prst="rect">
+            <a:avLst/>
+          </a:prstGeom>
+        </p:spPr>
+        <p:txBody>
+          <a:bodyPr lIns="91425" tIns="91425" rIns="91425" bIns="91425" anchor="t" anchorCtr="0">
+            <a:noAutofit/>
+          </a:bodyPr>
+          <a:lstStyle/>
+          <a:p>
+            <a:pPr lvl="0">
+              <a:spcBef>
+                <a:spcPts val="0"/>
+              </a:spcBef>
+              <a:buNone/>
+            </a:pPr>
+            <a:endParaRPr/>
+          </a:p>
+        </p:txBody>
+      </p:sp>
+    </p:spTree>
+    <p:extLst>
+      <p:ext uri="{BB962C8B-B14F-4D97-AF65-F5344CB8AC3E}">
+        <p14:creationId xmlns:p14="http://schemas.microsoft.com/office/powerpoint/2010/main" val="3989241629"/>
+      </p:ext>
+    </p:extLst>
+  </p:cSld>
+  <p:clrMapOvr>
+    <a:masterClrMapping/>
+  </p:clrMapOvr>
+</p:notes>
+</file>
+
 <file path=ppt/notesSlides/notesSlide2.xml><?xml version="1.0" encoding="utf-8"?>
 <p:notes xmlns:a="http://schemas.openxmlformats.org/drawingml/2006/main" xmlns:r="http://schemas.openxmlformats.org/officeDocument/2006/relationships" xmlns:p="http://schemas.openxmlformats.org/presentationml/2006/main" showMasterSp="0" showMasterPhAnim="0">
   <p:cSld>
@@ -880,7 +987,7 @@
               </a:spcBef>
               <a:buNone/>
             </a:pPr>
-            <a:endParaRPr/>
+            <a:endParaRPr dirty="0"/>
           </a:p>
         </p:txBody>
       </p:sp>
@@ -5863,6 +5970,432 @@
 </p:sld>
 </file>
 
+<file path=ppt/slides/slide11.xml><?xml version="1.0" encoding="utf-8"?>
+<p:sld xmlns:a="http://schemas.openxmlformats.org/drawingml/2006/main" xmlns:r="http://schemas.openxmlformats.org/officeDocument/2006/relationships" xmlns:p="http://schemas.openxmlformats.org/presentationml/2006/main">
+  <p:cSld>
+    <p:spTree>
+      <p:nvGrpSpPr>
+        <p:cNvPr id="1" name="Shape 83"/>
+        <p:cNvGrpSpPr/>
+        <p:nvPr/>
+      </p:nvGrpSpPr>
+      <p:grpSpPr>
+        <a:xfrm>
+          <a:off x="0" y="0"/>
+          <a:ext cx="0" cy="0"/>
+          <a:chOff x="0" y="0"/>
+          <a:chExt cx="0" cy="0"/>
+        </a:xfrm>
+      </p:grpSpPr>
+      <p:sp>
+        <p:nvSpPr>
+          <p:cNvPr id="84" name="Shape 84"/>
+          <p:cNvSpPr txBox="1">
+            <a:spLocks noGrp="1"/>
+          </p:cNvSpPr>
+          <p:nvPr>
+            <p:ph type="title"/>
+          </p:nvPr>
+        </p:nvSpPr>
+        <p:spPr>
+          <a:xfrm>
+            <a:off x="311700" y="445025"/>
+            <a:ext cx="8520600" cy="572700"/>
+          </a:xfrm>
+          <a:prstGeom prst="rect">
+            <a:avLst/>
+          </a:prstGeom>
+        </p:spPr>
+        <p:txBody>
+          <a:bodyPr lIns="91425" tIns="91425" rIns="91425" bIns="91425" anchor="t" anchorCtr="0">
+            <a:noAutofit/>
+          </a:bodyPr>
+          <a:lstStyle/>
+          <a:p>
+            <a:pPr lvl="0">
+              <a:spcBef>
+                <a:spcPts val="0"/>
+              </a:spcBef>
+              <a:buNone/>
+            </a:pPr>
+            <a:r>
+              <a:rPr lang="en" dirty="0"/>
+              <a:t>References</a:t>
+            </a:r>
+          </a:p>
+        </p:txBody>
+      </p:sp>
+      <p:sp>
+        <p:nvSpPr>
+          <p:cNvPr id="85" name="Shape 85"/>
+          <p:cNvSpPr txBox="1">
+            <a:spLocks noGrp="1"/>
+          </p:cNvSpPr>
+          <p:nvPr>
+            <p:ph type="body" idx="1"/>
+          </p:nvPr>
+        </p:nvSpPr>
+        <p:spPr>
+          <a:xfrm>
+            <a:off x="311700" y="1152475"/>
+            <a:ext cx="8226244" cy="1580091"/>
+          </a:xfrm>
+          <a:prstGeom prst="rect">
+            <a:avLst/>
+          </a:prstGeom>
+          <a:ln w="28575" cap="flat" cmpd="sng">
+            <a:solidFill>
+              <a:srgbClr val="FFFFFF"/>
+            </a:solidFill>
+            <a:prstDash val="solid"/>
+            <a:round/>
+            <a:headEnd type="none" w="med" len="med"/>
+            <a:tailEnd type="none" w="med" len="med"/>
+          </a:ln>
+        </p:spPr>
+        <p:txBody>
+          <a:bodyPr lIns="91425" tIns="91425" rIns="91425" bIns="91425" anchor="t" anchorCtr="0">
+            <a:noAutofit/>
+          </a:bodyPr>
+          <a:lstStyle/>
+          <a:p>
+            <a:pPr marL="342900" lvl="0" indent="-342900">
+              <a:spcBef>
+                <a:spcPts val="0"/>
+              </a:spcBef>
+              <a:buFont typeface="+mj-lt"/>
+              <a:buAutoNum type="arabicPeriod"/>
+            </a:pPr>
+            <a:r>
+              <a:rPr lang="en" sz="1800" dirty="0">
+                <a:hlinkClick r:id="rId3"/>
+              </a:rPr>
+              <a:t>Tenessee Valley Authority Voltage Optimization Program</a:t>
+            </a:r>
+            <a:endParaRPr lang="en" sz="1800" dirty="0"/>
+          </a:p>
+          <a:p>
+            <a:pPr marL="342900" lvl="0" indent="-342900">
+              <a:spcBef>
+                <a:spcPts val="0"/>
+              </a:spcBef>
+              <a:buFont typeface="+mj-lt"/>
+              <a:buAutoNum type="arabicPeriod"/>
+            </a:pPr>
+            <a:r>
+              <a:rPr lang="en" sz="1800" dirty="0">
+                <a:hlinkClick r:id="rId4"/>
+              </a:rPr>
+              <a:t>AWS IoT Pilot Light Hack Day </a:t>
+            </a:r>
+            <a:endParaRPr lang="en" sz="1800" dirty="0"/>
+          </a:p>
+          <a:p>
+            <a:pPr marL="285750" lvl="0" indent="-285750">
+              <a:spcBef>
+                <a:spcPts val="0"/>
+              </a:spcBef>
+              <a:buFont typeface="Arial" panose="020B0604020202020204" pitchFamily="34" charset="0"/>
+              <a:buChar char="•"/>
+            </a:pPr>
+            <a:endParaRPr lang="en" sz="1800" dirty="0"/>
+          </a:p>
+          <a:p>
+            <a:pPr marL="285750" lvl="0" indent="-285750">
+              <a:spcBef>
+                <a:spcPts val="0"/>
+              </a:spcBef>
+              <a:buFont typeface="Arial" panose="020B0604020202020204" pitchFamily="34" charset="0"/>
+              <a:buChar char="•"/>
+            </a:pPr>
+            <a:endParaRPr lang="en" sz="1800" dirty="0"/>
+          </a:p>
+        </p:txBody>
+      </p:sp>
+      <p:sp>
+        <p:nvSpPr>
+          <p:cNvPr id="5" name="Shape 68"/>
+          <p:cNvSpPr txBox="1">
+            <a:spLocks/>
+          </p:cNvSpPr>
+          <p:nvPr/>
+        </p:nvSpPr>
+        <p:spPr>
+          <a:xfrm>
+            <a:off x="8198924" y="11165"/>
+            <a:ext cx="953087" cy="456022"/>
+          </a:xfrm>
+          <a:prstGeom prst="rect">
+            <a:avLst/>
+          </a:prstGeom>
+          <a:noFill/>
+          <a:ln>
+            <a:noFill/>
+          </a:ln>
+        </p:spPr>
+        <p:txBody>
+          <a:bodyPr lIns="91425" tIns="91425" rIns="91425" bIns="91425" anchor="t" anchorCtr="0">
+            <a:noAutofit/>
+          </a:bodyPr>
+          <a:lstStyle>
+            <a:defPPr marR="0" lvl="0" algn="l" rtl="0">
+              <a:lnSpc>
+                <a:spcPct val="100000"/>
+              </a:lnSpc>
+              <a:spcBef>
+                <a:spcPts val="0"/>
+              </a:spcBef>
+              <a:spcAft>
+                <a:spcPts val="0"/>
+              </a:spcAft>
+            </a:defPPr>
+            <a:lvl1pPr marR="0" lvl="0" algn="ctr" rtl="0">
+              <a:lnSpc>
+                <a:spcPct val="100000"/>
+              </a:lnSpc>
+              <a:spcBef>
+                <a:spcPts val="0"/>
+              </a:spcBef>
+              <a:spcAft>
+                <a:spcPts val="0"/>
+              </a:spcAft>
+              <a:buClr>
+                <a:schemeClr val="lt2"/>
+              </a:buClr>
+              <a:buSzPct val="100000"/>
+              <a:buNone/>
+              <a:defRPr sz="2800" b="0" i="0" u="none" strike="noStrike" cap="none">
+                <a:solidFill>
+                  <a:schemeClr val="lt2"/>
+                </a:solidFill>
+                <a:latin typeface="Arial"/>
+                <a:ea typeface="Arial"/>
+                <a:cs typeface="Arial"/>
+                <a:sym typeface="Arial"/>
+              </a:defRPr>
+            </a:lvl1pPr>
+            <a:lvl2pPr marR="0" lvl="1" algn="ctr" rtl="0">
+              <a:lnSpc>
+                <a:spcPct val="100000"/>
+              </a:lnSpc>
+              <a:spcBef>
+                <a:spcPts val="0"/>
+              </a:spcBef>
+              <a:spcAft>
+                <a:spcPts val="0"/>
+              </a:spcAft>
+              <a:buClr>
+                <a:schemeClr val="lt2"/>
+              </a:buClr>
+              <a:buSzPct val="100000"/>
+              <a:buNone/>
+              <a:defRPr sz="2800" b="0" i="0" u="none" strike="noStrike" cap="none">
+                <a:solidFill>
+                  <a:schemeClr val="lt2"/>
+                </a:solidFill>
+                <a:latin typeface="Arial"/>
+                <a:ea typeface="Arial"/>
+                <a:cs typeface="Arial"/>
+                <a:sym typeface="Arial"/>
+              </a:defRPr>
+            </a:lvl2pPr>
+            <a:lvl3pPr marR="0" lvl="2" algn="ctr" rtl="0">
+              <a:lnSpc>
+                <a:spcPct val="100000"/>
+              </a:lnSpc>
+              <a:spcBef>
+                <a:spcPts val="0"/>
+              </a:spcBef>
+              <a:spcAft>
+                <a:spcPts val="0"/>
+              </a:spcAft>
+              <a:buClr>
+                <a:schemeClr val="lt2"/>
+              </a:buClr>
+              <a:buSzPct val="100000"/>
+              <a:buNone/>
+              <a:defRPr sz="2800" b="0" i="0" u="none" strike="noStrike" cap="none">
+                <a:solidFill>
+                  <a:schemeClr val="lt2"/>
+                </a:solidFill>
+                <a:latin typeface="Arial"/>
+                <a:ea typeface="Arial"/>
+                <a:cs typeface="Arial"/>
+                <a:sym typeface="Arial"/>
+              </a:defRPr>
+            </a:lvl3pPr>
+            <a:lvl4pPr marR="0" lvl="3" algn="ctr" rtl="0">
+              <a:lnSpc>
+                <a:spcPct val="100000"/>
+              </a:lnSpc>
+              <a:spcBef>
+                <a:spcPts val="0"/>
+              </a:spcBef>
+              <a:spcAft>
+                <a:spcPts val="0"/>
+              </a:spcAft>
+              <a:buClr>
+                <a:schemeClr val="lt2"/>
+              </a:buClr>
+              <a:buSzPct val="100000"/>
+              <a:buNone/>
+              <a:defRPr sz="2800" b="0" i="0" u="none" strike="noStrike" cap="none">
+                <a:solidFill>
+                  <a:schemeClr val="lt2"/>
+                </a:solidFill>
+                <a:latin typeface="Arial"/>
+                <a:ea typeface="Arial"/>
+                <a:cs typeface="Arial"/>
+                <a:sym typeface="Arial"/>
+              </a:defRPr>
+            </a:lvl4pPr>
+            <a:lvl5pPr marR="0" lvl="4" algn="ctr" rtl="0">
+              <a:lnSpc>
+                <a:spcPct val="100000"/>
+              </a:lnSpc>
+              <a:spcBef>
+                <a:spcPts val="0"/>
+              </a:spcBef>
+              <a:spcAft>
+                <a:spcPts val="0"/>
+              </a:spcAft>
+              <a:buClr>
+                <a:schemeClr val="lt2"/>
+              </a:buClr>
+              <a:buSzPct val="100000"/>
+              <a:buNone/>
+              <a:defRPr sz="2800" b="0" i="0" u="none" strike="noStrike" cap="none">
+                <a:solidFill>
+                  <a:schemeClr val="lt2"/>
+                </a:solidFill>
+                <a:latin typeface="Arial"/>
+                <a:ea typeface="Arial"/>
+                <a:cs typeface="Arial"/>
+                <a:sym typeface="Arial"/>
+              </a:defRPr>
+            </a:lvl5pPr>
+            <a:lvl6pPr marR="0" lvl="5" algn="ctr" rtl="0">
+              <a:lnSpc>
+                <a:spcPct val="100000"/>
+              </a:lnSpc>
+              <a:spcBef>
+                <a:spcPts val="0"/>
+              </a:spcBef>
+              <a:spcAft>
+                <a:spcPts val="0"/>
+              </a:spcAft>
+              <a:buClr>
+                <a:schemeClr val="lt2"/>
+              </a:buClr>
+              <a:buSzPct val="100000"/>
+              <a:buNone/>
+              <a:defRPr sz="2800" b="0" i="0" u="none" strike="noStrike" cap="none">
+                <a:solidFill>
+                  <a:schemeClr val="lt2"/>
+                </a:solidFill>
+                <a:latin typeface="Arial"/>
+                <a:ea typeface="Arial"/>
+                <a:cs typeface="Arial"/>
+                <a:sym typeface="Arial"/>
+              </a:defRPr>
+            </a:lvl6pPr>
+            <a:lvl7pPr marR="0" lvl="6" algn="ctr" rtl="0">
+              <a:lnSpc>
+                <a:spcPct val="100000"/>
+              </a:lnSpc>
+              <a:spcBef>
+                <a:spcPts val="0"/>
+              </a:spcBef>
+              <a:spcAft>
+                <a:spcPts val="0"/>
+              </a:spcAft>
+              <a:buClr>
+                <a:schemeClr val="lt2"/>
+              </a:buClr>
+              <a:buSzPct val="100000"/>
+              <a:buNone/>
+              <a:defRPr sz="2800" b="0" i="0" u="none" strike="noStrike" cap="none">
+                <a:solidFill>
+                  <a:schemeClr val="lt2"/>
+                </a:solidFill>
+                <a:latin typeface="Arial"/>
+                <a:ea typeface="Arial"/>
+                <a:cs typeface="Arial"/>
+                <a:sym typeface="Arial"/>
+              </a:defRPr>
+            </a:lvl7pPr>
+            <a:lvl8pPr marR="0" lvl="7" algn="ctr" rtl="0">
+              <a:lnSpc>
+                <a:spcPct val="100000"/>
+              </a:lnSpc>
+              <a:spcBef>
+                <a:spcPts val="0"/>
+              </a:spcBef>
+              <a:spcAft>
+                <a:spcPts val="0"/>
+              </a:spcAft>
+              <a:buClr>
+                <a:schemeClr val="lt2"/>
+              </a:buClr>
+              <a:buSzPct val="100000"/>
+              <a:buNone/>
+              <a:defRPr sz="2800" b="0" i="0" u="none" strike="noStrike" cap="none">
+                <a:solidFill>
+                  <a:schemeClr val="lt2"/>
+                </a:solidFill>
+                <a:latin typeface="Arial"/>
+                <a:ea typeface="Arial"/>
+                <a:cs typeface="Arial"/>
+                <a:sym typeface="Arial"/>
+              </a:defRPr>
+            </a:lvl8pPr>
+            <a:lvl9pPr marR="0" lvl="8" algn="ctr" rtl="0">
+              <a:lnSpc>
+                <a:spcPct val="100000"/>
+              </a:lnSpc>
+              <a:spcBef>
+                <a:spcPts val="0"/>
+              </a:spcBef>
+              <a:spcAft>
+                <a:spcPts val="0"/>
+              </a:spcAft>
+              <a:buClr>
+                <a:schemeClr val="lt2"/>
+              </a:buClr>
+              <a:buSzPct val="100000"/>
+              <a:buNone/>
+              <a:defRPr sz="2800" b="0" i="0" u="none" strike="noStrike" cap="none">
+                <a:solidFill>
+                  <a:schemeClr val="lt2"/>
+                </a:solidFill>
+                <a:latin typeface="Arial"/>
+                <a:ea typeface="Arial"/>
+                <a:cs typeface="Arial"/>
+                <a:sym typeface="Arial"/>
+              </a:defRPr>
+            </a:lvl9pPr>
+          </a:lstStyle>
+          <a:p>
+            <a:r>
+              <a:rPr lang="en" sz="1800" dirty="0"/>
+              <a:t>Jan</a:t>
+            </a:r>
+          </a:p>
+        </p:txBody>
+      </p:sp>
+    </p:spTree>
+    <p:extLst>
+      <p:ext uri="{BB962C8B-B14F-4D97-AF65-F5344CB8AC3E}">
+        <p14:creationId xmlns:p14="http://schemas.microsoft.com/office/powerpoint/2010/main" val="586054435"/>
+      </p:ext>
+    </p:extLst>
+  </p:cSld>
+  <p:clrMapOvr>
+    <a:masterClrMapping/>
+  </p:clrMapOvr>
+</p:sld>
+</file>
+
 <file path=ppt/slides/slide2.xml><?xml version="1.0" encoding="utf-8"?>
 <p:sld xmlns:a="http://schemas.openxmlformats.org/drawingml/2006/main" xmlns:r="http://schemas.openxmlformats.org/officeDocument/2006/relationships" xmlns:p="http://schemas.openxmlformats.org/presentationml/2006/main">
   <p:cSld>
@@ -5934,8 +6467,8 @@
         </p:blipFill>
         <p:spPr>
           <a:xfrm>
-            <a:off x="4037714" y="964542"/>
-            <a:ext cx="4648387" cy="2039493"/>
+            <a:off x="4057484" y="901047"/>
+            <a:ext cx="4628617" cy="2030819"/>
           </a:xfrm>
           <a:prstGeom prst="rect">
             <a:avLst/>
@@ -5952,8 +6485,8 @@
         </p:nvSpPr>
         <p:spPr>
           <a:xfrm>
-            <a:off x="311700" y="964542"/>
-            <a:ext cx="3579816" cy="2030819"/>
+            <a:off x="311700" y="964543"/>
+            <a:ext cx="3579816" cy="1967324"/>
           </a:xfrm>
           <a:prstGeom prst="rect">
             <a:avLst/>
@@ -6229,8 +6762,8 @@
         </p:nvSpPr>
         <p:spPr>
           <a:xfrm>
-            <a:off x="311700" y="3088071"/>
-            <a:ext cx="8374401" cy="2030819"/>
+            <a:off x="311700" y="2981743"/>
+            <a:ext cx="8374401" cy="1824173"/>
           </a:xfrm>
           <a:prstGeom prst="rect">
             <a:avLst/>
@@ -6788,6 +7321,293 @@
             <a:r>
               <a:rPr lang="en" sz="1800" dirty="0"/>
               <a:t>Jan</a:t>
+            </a:r>
+          </a:p>
+        </p:txBody>
+      </p:sp>
+      <p:sp>
+        <p:nvSpPr>
+          <p:cNvPr id="9" name="Shape 68"/>
+          <p:cNvSpPr txBox="1">
+            <a:spLocks/>
+          </p:cNvSpPr>
+          <p:nvPr/>
+        </p:nvSpPr>
+        <p:spPr>
+          <a:xfrm>
+            <a:off x="4582632" y="4799742"/>
+            <a:ext cx="4561367" cy="343758"/>
+          </a:xfrm>
+          <a:prstGeom prst="rect">
+            <a:avLst/>
+          </a:prstGeom>
+          <a:noFill/>
+          <a:ln>
+            <a:noFill/>
+          </a:ln>
+        </p:spPr>
+        <p:txBody>
+          <a:bodyPr lIns="91425" tIns="91425" rIns="91425" bIns="91425" anchor="t" anchorCtr="0">
+            <a:noAutofit/>
+          </a:bodyPr>
+          <a:lstStyle>
+            <a:defPPr marR="0" lvl="0" algn="l" rtl="0">
+              <a:lnSpc>
+                <a:spcPct val="100000"/>
+              </a:lnSpc>
+              <a:spcBef>
+                <a:spcPts val="0"/>
+              </a:spcBef>
+              <a:spcAft>
+                <a:spcPts val="0"/>
+              </a:spcAft>
+            </a:defPPr>
+            <a:lvl1pPr marR="0" lvl="0" algn="ctr" rtl="0">
+              <a:lnSpc>
+                <a:spcPct val="100000"/>
+              </a:lnSpc>
+              <a:spcBef>
+                <a:spcPts val="0"/>
+              </a:spcBef>
+              <a:spcAft>
+                <a:spcPts val="0"/>
+              </a:spcAft>
+              <a:buClr>
+                <a:schemeClr val="lt2"/>
+              </a:buClr>
+              <a:buSzPct val="100000"/>
+              <a:buNone/>
+              <a:defRPr sz="2800" b="0" i="0" u="none" strike="noStrike" cap="none">
+                <a:solidFill>
+                  <a:schemeClr val="lt2"/>
+                </a:solidFill>
+                <a:latin typeface="Arial"/>
+                <a:ea typeface="Arial"/>
+                <a:cs typeface="Arial"/>
+                <a:sym typeface="Arial"/>
+              </a:defRPr>
+            </a:lvl1pPr>
+            <a:lvl2pPr marR="0" lvl="1" algn="ctr" rtl="0">
+              <a:lnSpc>
+                <a:spcPct val="100000"/>
+              </a:lnSpc>
+              <a:spcBef>
+                <a:spcPts val="0"/>
+              </a:spcBef>
+              <a:spcAft>
+                <a:spcPts val="0"/>
+              </a:spcAft>
+              <a:buClr>
+                <a:schemeClr val="lt2"/>
+              </a:buClr>
+              <a:buSzPct val="100000"/>
+              <a:buNone/>
+              <a:defRPr sz="2800" b="0" i="0" u="none" strike="noStrike" cap="none">
+                <a:solidFill>
+                  <a:schemeClr val="lt2"/>
+                </a:solidFill>
+                <a:latin typeface="Arial"/>
+                <a:ea typeface="Arial"/>
+                <a:cs typeface="Arial"/>
+                <a:sym typeface="Arial"/>
+              </a:defRPr>
+            </a:lvl2pPr>
+            <a:lvl3pPr marR="0" lvl="2" algn="ctr" rtl="0">
+              <a:lnSpc>
+                <a:spcPct val="100000"/>
+              </a:lnSpc>
+              <a:spcBef>
+                <a:spcPts val="0"/>
+              </a:spcBef>
+              <a:spcAft>
+                <a:spcPts val="0"/>
+              </a:spcAft>
+              <a:buClr>
+                <a:schemeClr val="lt2"/>
+              </a:buClr>
+              <a:buSzPct val="100000"/>
+              <a:buNone/>
+              <a:defRPr sz="2800" b="0" i="0" u="none" strike="noStrike" cap="none">
+                <a:solidFill>
+                  <a:schemeClr val="lt2"/>
+                </a:solidFill>
+                <a:latin typeface="Arial"/>
+                <a:ea typeface="Arial"/>
+                <a:cs typeface="Arial"/>
+                <a:sym typeface="Arial"/>
+              </a:defRPr>
+            </a:lvl3pPr>
+            <a:lvl4pPr marR="0" lvl="3" algn="ctr" rtl="0">
+              <a:lnSpc>
+                <a:spcPct val="100000"/>
+              </a:lnSpc>
+              <a:spcBef>
+                <a:spcPts val="0"/>
+              </a:spcBef>
+              <a:spcAft>
+                <a:spcPts val="0"/>
+              </a:spcAft>
+              <a:buClr>
+                <a:schemeClr val="lt2"/>
+              </a:buClr>
+              <a:buSzPct val="100000"/>
+              <a:buNone/>
+              <a:defRPr sz="2800" b="0" i="0" u="none" strike="noStrike" cap="none">
+                <a:solidFill>
+                  <a:schemeClr val="lt2"/>
+                </a:solidFill>
+                <a:latin typeface="Arial"/>
+                <a:ea typeface="Arial"/>
+                <a:cs typeface="Arial"/>
+                <a:sym typeface="Arial"/>
+              </a:defRPr>
+            </a:lvl4pPr>
+            <a:lvl5pPr marR="0" lvl="4" algn="ctr" rtl="0">
+              <a:lnSpc>
+                <a:spcPct val="100000"/>
+              </a:lnSpc>
+              <a:spcBef>
+                <a:spcPts val="0"/>
+              </a:spcBef>
+              <a:spcAft>
+                <a:spcPts val="0"/>
+              </a:spcAft>
+              <a:buClr>
+                <a:schemeClr val="lt2"/>
+              </a:buClr>
+              <a:buSzPct val="100000"/>
+              <a:buNone/>
+              <a:defRPr sz="2800" b="0" i="0" u="none" strike="noStrike" cap="none">
+                <a:solidFill>
+                  <a:schemeClr val="lt2"/>
+                </a:solidFill>
+                <a:latin typeface="Arial"/>
+                <a:ea typeface="Arial"/>
+                <a:cs typeface="Arial"/>
+                <a:sym typeface="Arial"/>
+              </a:defRPr>
+            </a:lvl5pPr>
+            <a:lvl6pPr marR="0" lvl="5" algn="ctr" rtl="0">
+              <a:lnSpc>
+                <a:spcPct val="100000"/>
+              </a:lnSpc>
+              <a:spcBef>
+                <a:spcPts val="0"/>
+              </a:spcBef>
+              <a:spcAft>
+                <a:spcPts val="0"/>
+              </a:spcAft>
+              <a:buClr>
+                <a:schemeClr val="lt2"/>
+              </a:buClr>
+              <a:buSzPct val="100000"/>
+              <a:buNone/>
+              <a:defRPr sz="2800" b="0" i="0" u="none" strike="noStrike" cap="none">
+                <a:solidFill>
+                  <a:schemeClr val="lt2"/>
+                </a:solidFill>
+                <a:latin typeface="Arial"/>
+                <a:ea typeface="Arial"/>
+                <a:cs typeface="Arial"/>
+                <a:sym typeface="Arial"/>
+              </a:defRPr>
+            </a:lvl6pPr>
+            <a:lvl7pPr marR="0" lvl="6" algn="ctr" rtl="0">
+              <a:lnSpc>
+                <a:spcPct val="100000"/>
+              </a:lnSpc>
+              <a:spcBef>
+                <a:spcPts val="0"/>
+              </a:spcBef>
+              <a:spcAft>
+                <a:spcPts val="0"/>
+              </a:spcAft>
+              <a:buClr>
+                <a:schemeClr val="lt2"/>
+              </a:buClr>
+              <a:buSzPct val="100000"/>
+              <a:buNone/>
+              <a:defRPr sz="2800" b="0" i="0" u="none" strike="noStrike" cap="none">
+                <a:solidFill>
+                  <a:schemeClr val="lt2"/>
+                </a:solidFill>
+                <a:latin typeface="Arial"/>
+                <a:ea typeface="Arial"/>
+                <a:cs typeface="Arial"/>
+                <a:sym typeface="Arial"/>
+              </a:defRPr>
+            </a:lvl7pPr>
+            <a:lvl8pPr marR="0" lvl="7" algn="ctr" rtl="0">
+              <a:lnSpc>
+                <a:spcPct val="100000"/>
+              </a:lnSpc>
+              <a:spcBef>
+                <a:spcPts val="0"/>
+              </a:spcBef>
+              <a:spcAft>
+                <a:spcPts val="0"/>
+              </a:spcAft>
+              <a:buClr>
+                <a:schemeClr val="lt2"/>
+              </a:buClr>
+              <a:buSzPct val="100000"/>
+              <a:buNone/>
+              <a:defRPr sz="2800" b="0" i="0" u="none" strike="noStrike" cap="none">
+                <a:solidFill>
+                  <a:schemeClr val="lt2"/>
+                </a:solidFill>
+                <a:latin typeface="Arial"/>
+                <a:ea typeface="Arial"/>
+                <a:cs typeface="Arial"/>
+                <a:sym typeface="Arial"/>
+              </a:defRPr>
+            </a:lvl8pPr>
+            <a:lvl9pPr marR="0" lvl="8" algn="ctr" rtl="0">
+              <a:lnSpc>
+                <a:spcPct val="100000"/>
+              </a:lnSpc>
+              <a:spcBef>
+                <a:spcPts val="0"/>
+              </a:spcBef>
+              <a:spcAft>
+                <a:spcPts val="0"/>
+              </a:spcAft>
+              <a:buClr>
+                <a:schemeClr val="lt2"/>
+              </a:buClr>
+              <a:buSzPct val="100000"/>
+              <a:buNone/>
+              <a:defRPr sz="2800" b="0" i="0" u="none" strike="noStrike" cap="none">
+                <a:solidFill>
+                  <a:schemeClr val="lt2"/>
+                </a:solidFill>
+                <a:latin typeface="Arial"/>
+                <a:ea typeface="Arial"/>
+                <a:cs typeface="Arial"/>
+                <a:sym typeface="Arial"/>
+              </a:defRPr>
+            </a:lvl9pPr>
+          </a:lstStyle>
+          <a:p>
+            <a:r>
+              <a:rPr lang="en" sz="1200" dirty="0"/>
+              <a:t>Ref. 1: </a:t>
+            </a:r>
+            <a:r>
+              <a:rPr lang="en" sz="1200" dirty="0">
+                <a:hlinkClick r:id="rId4"/>
+              </a:rPr>
+              <a:t>Tenessee Valley Authority Voltage Optimization Program</a:t>
+            </a:r>
+            <a:endParaRPr lang="en" sz="1200" dirty="0"/>
+          </a:p>
+          <a:p>
+            <a:endParaRPr lang="en" sz="1200" dirty="0"/>
+          </a:p>
+          <a:p>
+            <a:r>
+              <a:rPr lang="en" sz="1200" dirty="0"/>
+              <a:t> </a:t>
             </a:r>
           </a:p>
         </p:txBody>
@@ -6858,7 +7678,7 @@
             </a:pPr>
             <a:r>
               <a:rPr lang="en" dirty="0"/>
-              <a:t>AWS Architecture</a:t>
+              <a:t>Leverage AWS IoT Architecture</a:t>
             </a:r>
           </a:p>
         </p:txBody>
@@ -7485,6 +8305,290 @@
             <a:r>
               <a:rPr lang="en" sz="1800" dirty="0"/>
               <a:t>Xiao</a:t>
+            </a:r>
+          </a:p>
+        </p:txBody>
+      </p:sp>
+      <p:sp>
+        <p:nvSpPr>
+          <p:cNvPr id="9" name="Shape 68"/>
+          <p:cNvSpPr txBox="1">
+            <a:spLocks/>
+          </p:cNvSpPr>
+          <p:nvPr/>
+        </p:nvSpPr>
+        <p:spPr>
+          <a:xfrm>
+            <a:off x="6347636" y="4799742"/>
+            <a:ext cx="2796363" cy="343758"/>
+          </a:xfrm>
+          <a:prstGeom prst="rect">
+            <a:avLst/>
+          </a:prstGeom>
+          <a:noFill/>
+          <a:ln>
+            <a:noFill/>
+          </a:ln>
+        </p:spPr>
+        <p:txBody>
+          <a:bodyPr lIns="91425" tIns="91425" rIns="91425" bIns="91425" anchor="t" anchorCtr="0">
+            <a:noAutofit/>
+          </a:bodyPr>
+          <a:lstStyle>
+            <a:defPPr marR="0" lvl="0" algn="l" rtl="0">
+              <a:lnSpc>
+                <a:spcPct val="100000"/>
+              </a:lnSpc>
+              <a:spcBef>
+                <a:spcPts val="0"/>
+              </a:spcBef>
+              <a:spcAft>
+                <a:spcPts val="0"/>
+              </a:spcAft>
+            </a:defPPr>
+            <a:lvl1pPr marR="0" lvl="0" algn="ctr" rtl="0">
+              <a:lnSpc>
+                <a:spcPct val="100000"/>
+              </a:lnSpc>
+              <a:spcBef>
+                <a:spcPts val="0"/>
+              </a:spcBef>
+              <a:spcAft>
+                <a:spcPts val="0"/>
+              </a:spcAft>
+              <a:buClr>
+                <a:schemeClr val="lt2"/>
+              </a:buClr>
+              <a:buSzPct val="100000"/>
+              <a:buNone/>
+              <a:defRPr sz="2800" b="0" i="0" u="none" strike="noStrike" cap="none">
+                <a:solidFill>
+                  <a:schemeClr val="lt2"/>
+                </a:solidFill>
+                <a:latin typeface="Arial"/>
+                <a:ea typeface="Arial"/>
+                <a:cs typeface="Arial"/>
+                <a:sym typeface="Arial"/>
+              </a:defRPr>
+            </a:lvl1pPr>
+            <a:lvl2pPr marR="0" lvl="1" algn="ctr" rtl="0">
+              <a:lnSpc>
+                <a:spcPct val="100000"/>
+              </a:lnSpc>
+              <a:spcBef>
+                <a:spcPts val="0"/>
+              </a:spcBef>
+              <a:spcAft>
+                <a:spcPts val="0"/>
+              </a:spcAft>
+              <a:buClr>
+                <a:schemeClr val="lt2"/>
+              </a:buClr>
+              <a:buSzPct val="100000"/>
+              <a:buNone/>
+              <a:defRPr sz="2800" b="0" i="0" u="none" strike="noStrike" cap="none">
+                <a:solidFill>
+                  <a:schemeClr val="lt2"/>
+                </a:solidFill>
+                <a:latin typeface="Arial"/>
+                <a:ea typeface="Arial"/>
+                <a:cs typeface="Arial"/>
+                <a:sym typeface="Arial"/>
+              </a:defRPr>
+            </a:lvl2pPr>
+            <a:lvl3pPr marR="0" lvl="2" algn="ctr" rtl="0">
+              <a:lnSpc>
+                <a:spcPct val="100000"/>
+              </a:lnSpc>
+              <a:spcBef>
+                <a:spcPts val="0"/>
+              </a:spcBef>
+              <a:spcAft>
+                <a:spcPts val="0"/>
+              </a:spcAft>
+              <a:buClr>
+                <a:schemeClr val="lt2"/>
+              </a:buClr>
+              <a:buSzPct val="100000"/>
+              <a:buNone/>
+              <a:defRPr sz="2800" b="0" i="0" u="none" strike="noStrike" cap="none">
+                <a:solidFill>
+                  <a:schemeClr val="lt2"/>
+                </a:solidFill>
+                <a:latin typeface="Arial"/>
+                <a:ea typeface="Arial"/>
+                <a:cs typeface="Arial"/>
+                <a:sym typeface="Arial"/>
+              </a:defRPr>
+            </a:lvl3pPr>
+            <a:lvl4pPr marR="0" lvl="3" algn="ctr" rtl="0">
+              <a:lnSpc>
+                <a:spcPct val="100000"/>
+              </a:lnSpc>
+              <a:spcBef>
+                <a:spcPts val="0"/>
+              </a:spcBef>
+              <a:spcAft>
+                <a:spcPts val="0"/>
+              </a:spcAft>
+              <a:buClr>
+                <a:schemeClr val="lt2"/>
+              </a:buClr>
+              <a:buSzPct val="100000"/>
+              <a:buNone/>
+              <a:defRPr sz="2800" b="0" i="0" u="none" strike="noStrike" cap="none">
+                <a:solidFill>
+                  <a:schemeClr val="lt2"/>
+                </a:solidFill>
+                <a:latin typeface="Arial"/>
+                <a:ea typeface="Arial"/>
+                <a:cs typeface="Arial"/>
+                <a:sym typeface="Arial"/>
+              </a:defRPr>
+            </a:lvl4pPr>
+            <a:lvl5pPr marR="0" lvl="4" algn="ctr" rtl="0">
+              <a:lnSpc>
+                <a:spcPct val="100000"/>
+              </a:lnSpc>
+              <a:spcBef>
+                <a:spcPts val="0"/>
+              </a:spcBef>
+              <a:spcAft>
+                <a:spcPts val="0"/>
+              </a:spcAft>
+              <a:buClr>
+                <a:schemeClr val="lt2"/>
+              </a:buClr>
+              <a:buSzPct val="100000"/>
+              <a:buNone/>
+              <a:defRPr sz="2800" b="0" i="0" u="none" strike="noStrike" cap="none">
+                <a:solidFill>
+                  <a:schemeClr val="lt2"/>
+                </a:solidFill>
+                <a:latin typeface="Arial"/>
+                <a:ea typeface="Arial"/>
+                <a:cs typeface="Arial"/>
+                <a:sym typeface="Arial"/>
+              </a:defRPr>
+            </a:lvl5pPr>
+            <a:lvl6pPr marR="0" lvl="5" algn="ctr" rtl="0">
+              <a:lnSpc>
+                <a:spcPct val="100000"/>
+              </a:lnSpc>
+              <a:spcBef>
+                <a:spcPts val="0"/>
+              </a:spcBef>
+              <a:spcAft>
+                <a:spcPts val="0"/>
+              </a:spcAft>
+              <a:buClr>
+                <a:schemeClr val="lt2"/>
+              </a:buClr>
+              <a:buSzPct val="100000"/>
+              <a:buNone/>
+              <a:defRPr sz="2800" b="0" i="0" u="none" strike="noStrike" cap="none">
+                <a:solidFill>
+                  <a:schemeClr val="lt2"/>
+                </a:solidFill>
+                <a:latin typeface="Arial"/>
+                <a:ea typeface="Arial"/>
+                <a:cs typeface="Arial"/>
+                <a:sym typeface="Arial"/>
+              </a:defRPr>
+            </a:lvl6pPr>
+            <a:lvl7pPr marR="0" lvl="6" algn="ctr" rtl="0">
+              <a:lnSpc>
+                <a:spcPct val="100000"/>
+              </a:lnSpc>
+              <a:spcBef>
+                <a:spcPts val="0"/>
+              </a:spcBef>
+              <a:spcAft>
+                <a:spcPts val="0"/>
+              </a:spcAft>
+              <a:buClr>
+                <a:schemeClr val="lt2"/>
+              </a:buClr>
+              <a:buSzPct val="100000"/>
+              <a:buNone/>
+              <a:defRPr sz="2800" b="0" i="0" u="none" strike="noStrike" cap="none">
+                <a:solidFill>
+                  <a:schemeClr val="lt2"/>
+                </a:solidFill>
+                <a:latin typeface="Arial"/>
+                <a:ea typeface="Arial"/>
+                <a:cs typeface="Arial"/>
+                <a:sym typeface="Arial"/>
+              </a:defRPr>
+            </a:lvl7pPr>
+            <a:lvl8pPr marR="0" lvl="7" algn="ctr" rtl="0">
+              <a:lnSpc>
+                <a:spcPct val="100000"/>
+              </a:lnSpc>
+              <a:spcBef>
+                <a:spcPts val="0"/>
+              </a:spcBef>
+              <a:spcAft>
+                <a:spcPts val="0"/>
+              </a:spcAft>
+              <a:buClr>
+                <a:schemeClr val="lt2"/>
+              </a:buClr>
+              <a:buSzPct val="100000"/>
+              <a:buNone/>
+              <a:defRPr sz="2800" b="0" i="0" u="none" strike="noStrike" cap="none">
+                <a:solidFill>
+                  <a:schemeClr val="lt2"/>
+                </a:solidFill>
+                <a:latin typeface="Arial"/>
+                <a:ea typeface="Arial"/>
+                <a:cs typeface="Arial"/>
+                <a:sym typeface="Arial"/>
+              </a:defRPr>
+            </a:lvl8pPr>
+            <a:lvl9pPr marR="0" lvl="8" algn="ctr" rtl="0">
+              <a:lnSpc>
+                <a:spcPct val="100000"/>
+              </a:lnSpc>
+              <a:spcBef>
+                <a:spcPts val="0"/>
+              </a:spcBef>
+              <a:spcAft>
+                <a:spcPts val="0"/>
+              </a:spcAft>
+              <a:buClr>
+                <a:schemeClr val="lt2"/>
+              </a:buClr>
+              <a:buSzPct val="100000"/>
+              <a:buNone/>
+              <a:defRPr sz="2800" b="0" i="0" u="none" strike="noStrike" cap="none">
+                <a:solidFill>
+                  <a:schemeClr val="lt2"/>
+                </a:solidFill>
+                <a:latin typeface="Arial"/>
+                <a:ea typeface="Arial"/>
+                <a:cs typeface="Arial"/>
+                <a:sym typeface="Arial"/>
+              </a:defRPr>
+            </a:lvl9pPr>
+          </a:lstStyle>
+          <a:p>
+            <a:r>
+              <a:rPr lang="en" sz="1200" dirty="0"/>
+              <a:t>Ref. 2: </a:t>
+            </a:r>
+            <a:r>
+              <a:rPr lang="en" sz="1200" dirty="0">
+                <a:hlinkClick r:id="rId4"/>
+              </a:rPr>
+              <a:t>AWS IoT Pilot Light Hack Day </a:t>
+            </a:r>
+            <a:endParaRPr lang="en" sz="1200" dirty="0"/>
+          </a:p>
+          <a:p>
+            <a:r>
+              <a:rPr lang="en" sz="1200" dirty="0"/>
+              <a:t> </a:t>
             </a:r>
           </a:p>
         </p:txBody>

--- a/FinalReport/W205_FinalProjectPresentation.pptx
+++ b/FinalReport/W205_FinalProjectPresentation.pptx
@@ -6070,7 +6070,7 @@
               <a:rPr lang="en" sz="1800" dirty="0">
                 <a:hlinkClick r:id="rId3"/>
               </a:rPr>
-              <a:t>Tenessee Valley Authority Voltage Optimization Program</a:t>
+              <a:t>Tennessee Valley Authority Voltage Optimization Program</a:t>
             </a:r>
             <a:endParaRPr lang="en" sz="1800" dirty="0"/>
           </a:p>
@@ -7335,8 +7335,8 @@
         </p:nvSpPr>
         <p:spPr>
           <a:xfrm>
-            <a:off x="4582632" y="4799742"/>
-            <a:ext cx="4561367" cy="343758"/>
+            <a:off x="4511930" y="4799742"/>
+            <a:ext cx="4632069" cy="343758"/>
           </a:xfrm>
           <a:prstGeom prst="rect">
             <a:avLst/>
@@ -7597,7 +7597,7 @@
               <a:rPr lang="en" sz="1200" dirty="0">
                 <a:hlinkClick r:id="rId4"/>
               </a:rPr>
-              <a:t>Tenessee Valley Authority Voltage Optimization Program</a:t>
+              <a:t>Tennessee Valley Authority Voltage Optimization Program</a:t>
             </a:r>
             <a:endParaRPr lang="en" sz="1200" dirty="0"/>
           </a:p>
@@ -10819,7 +10819,7 @@
             </a:pPr>
             <a:r>
               <a:rPr lang="en" sz="1800" dirty="0"/>
-              <a:t>Email alert based on deviation to deviation to prediction</a:t>
+              <a:t>Email alert based on deviation from prediction</a:t>
             </a:r>
           </a:p>
           <a:p>
